--- a/study/1주차 발표/RecyclerView활용예제 조사_한승범.pptx
+++ b/study/1주차 발표/RecyclerView활용예제 조사_한승범.pptx
@@ -35,26 +35,26 @@
       <p:bold r:id="rId19"/>
     </p:embeddedFont>
     <p:embeddedFont>
-      <p:font typeface="나눔고딕" charset="-127"/>
+      <p:font typeface="HY헤드라인M" pitchFamily="18" charset="-127"/>
       <p:regular r:id="rId20"/>
-      <p:bold r:id="rId21"/>
     </p:embeddedFont>
     <p:embeddedFont>
       <p:font typeface="맑은 고딕" pitchFamily="50" charset="-127"/>
-      <p:regular r:id="rId22"/>
-      <p:bold r:id="rId23"/>
+      <p:regular r:id="rId21"/>
+      <p:bold r:id="rId22"/>
+    </p:embeddedFont>
+    <p:embeddedFont>
+      <p:font typeface="나눔고딕" pitchFamily="50" charset="-127"/>
+      <p:regular r:id="rId23"/>
+      <p:bold r:id="rId24"/>
+    </p:embeddedFont>
+    <p:embeddedFont>
+      <p:font typeface="나눔고딕 ExtraBold" pitchFamily="50" charset="-127"/>
+      <p:bold r:id="rId25"/>
     </p:embeddedFont>
     <p:embeddedFont>
       <p:font typeface="Segoe UI Emoji" pitchFamily="34" charset="0"/>
-      <p:regular r:id="rId24"/>
-    </p:embeddedFont>
-    <p:embeddedFont>
-      <p:font typeface="HY헤드라인M" pitchFamily="18" charset="-127"/>
-      <p:regular r:id="rId25"/>
-    </p:embeddedFont>
-    <p:embeddedFont>
-      <p:font typeface="나눔고딕 ExtraBold" charset="-127"/>
-      <p:bold r:id="rId26"/>
+      <p:regular r:id="rId26"/>
     </p:embeddedFont>
   </p:embeddedFontLst>
   <p:defaultTextStyle>
@@ -3222,6 +3222,42 @@
             </a:endParaRPr>
           </a:p>
           <a:p>
+            <a:r>
+              <a:rPr lang="ko-KR" altLang="en-US" dirty="0" smtClean="0"/>
+              <a:t>최소한의 </a:t>
+            </a:r>
+            <a:r>
+              <a:rPr lang="en-US" altLang="ko-KR" dirty="0" smtClean="0"/>
+              <a:t>view</a:t>
+            </a:r>
+            <a:r>
+              <a:rPr lang="ko-KR" altLang="en-US" dirty="0" smtClean="0"/>
+              <a:t>만으로 큰 데이터를 효과적으로 </a:t>
+            </a:r>
+            <a:r>
+              <a:rPr lang="ko-KR" altLang="en-US" dirty="0" err="1" smtClean="0"/>
+              <a:t>스크롤링</a:t>
+            </a:r>
+            <a:r>
+              <a:rPr lang="ko-KR" altLang="en-US" dirty="0" smtClean="0"/>
+              <a:t> 해주는 </a:t>
+            </a:r>
+            <a:r>
+              <a:rPr lang="ko-KR" altLang="en-US" dirty="0" err="1" smtClean="0"/>
+              <a:t>뷰를</a:t>
+            </a:r>
+            <a:r>
+              <a:rPr lang="ko-KR" altLang="en-US" dirty="0" smtClean="0"/>
+              <a:t> </a:t>
+            </a:r>
+            <a:r>
+              <a:rPr lang="en-US" altLang="ko-KR" dirty="0" err="1" smtClean="0"/>
+              <a:t>recyclerView</a:t>
+            </a:r>
+            <a:r>
+              <a:rPr lang="ko-KR" altLang="en-US" dirty="0" smtClean="0"/>
+              <a:t>라고 합니다</a:t>
+            </a:r>
             <a:endParaRPr lang="ko-KR" altLang="en-US" dirty="0"/>
           </a:p>
         </p:txBody>
@@ -8685,15 +8721,7 @@
                   <a:srgbClr val="00B0F0"/>
                 </a:solidFill>
               </a:rPr>
-              <a:t>Recycler </a:t>
-            </a:r>
-            <a:r>
-              <a:rPr lang="en-US" altLang="ko-KR" sz="6000" spc="-50" dirty="0" smtClean="0">
-                <a:solidFill>
-                  <a:srgbClr val="00B0F0"/>
-                </a:solidFill>
-              </a:rPr>
-              <a:t>View</a:t>
+              <a:t>Recycler View</a:t>
             </a:r>
             <a:r>
               <a:rPr lang="en-US" altLang="ko-KR" sz="6000" spc="-50" dirty="0" smtClean="0"/>
@@ -8709,11 +8737,7 @@
             </a:r>
             <a:r>
               <a:rPr lang="ko-KR" altLang="en-US" sz="3100" spc="-50" dirty="0" smtClean="0"/>
-              <a:t>활용한 </a:t>
-            </a:r>
-            <a:r>
-              <a:rPr lang="ko-KR" altLang="en-US" sz="3100" spc="-50" dirty="0" smtClean="0"/>
-              <a:t>예제조사</a:t>
+              <a:t>활용한 예제조사</a:t>
             </a:r>
             <a:r>
               <a:rPr lang="en-US" altLang="ko-KR" sz="3100" spc="-50" dirty="0" smtClean="0"/>
@@ -10173,10 +10197,6 @@
               <a:rPr lang="en-US" altLang="ko-KR" sz="1800" spc="-50" dirty="0" smtClean="0"/>
               <a:t>(Header)</a:t>
             </a:r>
-            <a:r>
-              <a:rPr lang="en-US" altLang="ko-KR" sz="1800" spc="-50" dirty="0" smtClean="0"/>
-              <a:t/>
-            </a:r>
             <a:br>
               <a:rPr lang="en-US" altLang="ko-KR" sz="1800" spc="-50" dirty="0" smtClean="0"/>
             </a:br>
@@ -11061,10 +11081,6 @@
               <a:rPr lang="en-US" altLang="ko-KR" sz="1800" spc="-50" dirty="0" smtClean="0"/>
               <a:t>(Item)</a:t>
             </a:r>
-            <a:r>
-              <a:rPr lang="en-US" altLang="ko-KR" sz="1800" spc="-50" dirty="0" smtClean="0"/>
-              <a:t/>
-            </a:r>
             <a:br>
               <a:rPr lang="en-US" altLang="ko-KR" sz="1800" spc="-50" dirty="0" smtClean="0"/>
             </a:br>
@@ -12072,14 +12088,7 @@
                 <a:latin typeface="Segoe UI Emoji" pitchFamily="34" charset="0"/>
                 <a:ea typeface="HY헤드라인M" pitchFamily="18" charset="-127"/>
               </a:rPr>
-              <a:t> 각각 </a:t>
-            </a:r>
-            <a:r>
-              <a:rPr lang="ko-KR" altLang="en-US" sz="1600" b="0" spc="-90" dirty="0" smtClean="0">
-                <a:latin typeface="Segoe UI Emoji" pitchFamily="34" charset="0"/>
-                <a:ea typeface="HY헤드라인M" pitchFamily="18" charset="-127"/>
-              </a:rPr>
-              <a:t>생성</a:t>
+              <a:t> 각각 생성</a:t>
             </a:r>
             <a:r>
               <a:rPr lang="en-US" altLang="ko-KR" sz="1600" b="0" spc="-90" dirty="0" smtClean="0">
@@ -13589,14 +13598,7 @@
                 <a:latin typeface="Segoe UI Emoji" pitchFamily="34" charset="0"/>
                 <a:ea typeface="HY헤드라인M" pitchFamily="18" charset="-127"/>
               </a:rPr>
-              <a:t> 이용하여 </a:t>
-            </a:r>
-            <a:r>
-              <a:rPr lang="ko-KR" altLang="en-US" sz="1600" b="0" spc="-90" dirty="0" smtClean="0">
-                <a:latin typeface="Segoe UI Emoji" pitchFamily="34" charset="0"/>
-                <a:ea typeface="HY헤드라인M" pitchFamily="18" charset="-127"/>
-              </a:rPr>
-              <a:t>한번에 등록</a:t>
+              <a:t> 이용하여 한번에 등록</a:t>
             </a:r>
             <a:r>
               <a:rPr lang="en-US" altLang="ko-KR" sz="1600" b="0" spc="-90" dirty="0" smtClean="0">
@@ -14423,17 +14425,7 @@
                   <a:latin typeface="나눔고딕" pitchFamily="50" charset="-127"/>
                   <a:ea typeface="나눔고딕" pitchFamily="50" charset="-127"/>
                 </a:rPr>
-                <a:t>2  Recycler </a:t>
-              </a:r>
-              <a:r>
-                <a:rPr lang="en-US" altLang="ko-KR" b="1" dirty="0" smtClean="0">
-                  <a:solidFill>
-                    <a:srgbClr val="00B0F0"/>
-                  </a:solidFill>
-                  <a:latin typeface="나눔고딕" pitchFamily="50" charset="-127"/>
-                  <a:ea typeface="나눔고딕" pitchFamily="50" charset="-127"/>
-                </a:rPr>
-                <a:t>View </a:t>
+                <a:t>2  Recycler View </a:t>
               </a:r>
               <a:r>
                 <a:rPr lang="ko-KR" altLang="en-US" b="1" dirty="0" smtClean="0">
@@ -15212,7 +15204,7 @@
         <p:spPr>
           <a:xfrm>
             <a:off x="3059832" y="2429225"/>
-            <a:ext cx="5588624" cy="544765"/>
+            <a:ext cx="5588624" cy="738664"/>
           </a:xfrm>
           <a:prstGeom prst="rect">
             <a:avLst/>
@@ -15396,16 +15388,47 @@
               </a:rPr>
               <a:t>뷰</a:t>
             </a:r>
-            <a:r>
-              <a:rPr lang="en-US" altLang="ko-KR" sz="1050" spc="-30" dirty="0" smtClean="0">
-                <a:solidFill>
-                  <a:srgbClr val="00B0F0"/>
+            <a:endParaRPr lang="en-US" altLang="ko-KR" sz="1050" spc="-30" dirty="0" smtClean="0">
+              <a:solidFill>
+                <a:srgbClr val="00B0F0"/>
+              </a:solidFill>
+              <a:latin typeface="나눔고딕" pitchFamily="50" charset="-127"/>
+              <a:ea typeface="나눔고딕" pitchFamily="50" charset="-127"/>
+            </a:endParaRPr>
+          </a:p>
+          <a:p>
+            <a:pPr>
+              <a:lnSpc>
+                <a:spcPct val="140000"/>
+              </a:lnSpc>
+            </a:pPr>
+            <a:r>
+              <a:rPr lang="en-US" altLang="ko-KR" sz="900" spc="-30" dirty="0" smtClean="0">
+                <a:solidFill>
+                  <a:schemeClr val="bg1"/>
                 </a:solidFill>
                 <a:latin typeface="나눔고딕" pitchFamily="50" charset="-127"/>
                 <a:ea typeface="나눔고딕" pitchFamily="50" charset="-127"/>
               </a:rPr>
-              <a:t>.</a:t>
-            </a:r>
+              <a:t>(https</a:t>
+            </a:r>
+            <a:r>
+              <a:rPr lang="en-US" altLang="ko-KR" sz="900" spc="-30" dirty="0">
+                <a:solidFill>
+                  <a:schemeClr val="bg1"/>
+                </a:solidFill>
+                <a:latin typeface="나눔고딕" pitchFamily="50" charset="-127"/>
+                <a:ea typeface="나눔고딕" pitchFamily="50" charset="-127"/>
+              </a:rPr>
+              <a:t>://developer.android.com/reference/)</a:t>
+            </a:r>
+            <a:endParaRPr lang="en-US" altLang="ko-KR" sz="900" spc="-30" dirty="0" smtClean="0">
+              <a:solidFill>
+                <a:schemeClr val="bg1"/>
+              </a:solidFill>
+              <a:latin typeface="나눔고딕" pitchFamily="50" charset="-127"/>
+              <a:ea typeface="나눔고딕" pitchFamily="50" charset="-127"/>
+            </a:endParaRPr>
           </a:p>
         </p:txBody>
       </p:sp>
@@ -16876,6 +16899,65 @@
           </a:p>
         </p:txBody>
       </p:sp>
+      <p:sp>
+        <p:nvSpPr>
+          <p:cNvPr id="3" name="직사각형 2"/>
+          <p:cNvSpPr/>
+          <p:nvPr/>
+        </p:nvSpPr>
+        <p:spPr>
+          <a:xfrm>
+            <a:off x="546263" y="1340767"/>
+            <a:ext cx="1445043" cy="2336867"/>
+          </a:xfrm>
+          <a:prstGeom prst="rect">
+            <a:avLst/>
+          </a:prstGeom>
+          <a:solidFill>
+            <a:schemeClr val="accent1">
+              <a:alpha val="47000"/>
+            </a:schemeClr>
+          </a:solidFill>
+          <a:ln>
+            <a:noFill/>
+          </a:ln>
+          <a:effectLst>
+            <a:outerShdw blurRad="101600" dist="76200" algn="tl" rotWithShape="0">
+              <a:prstClr val="black">
+                <a:alpha val="55000"/>
+              </a:prstClr>
+            </a:outerShdw>
+          </a:effectLst>
+        </p:spPr>
+        <p:style>
+          <a:lnRef idx="2">
+            <a:schemeClr val="accent1">
+              <a:shade val="50000"/>
+            </a:schemeClr>
+          </a:lnRef>
+          <a:fillRef idx="1">
+            <a:schemeClr val="accent1"/>
+          </a:fillRef>
+          <a:effectRef idx="0">
+            <a:schemeClr val="accent1"/>
+          </a:effectRef>
+          <a:fontRef idx="minor">
+            <a:schemeClr val="lt1"/>
+          </a:fontRef>
+        </p:style>
+        <p:txBody>
+          <a:bodyPr rtlCol="0" anchor="ctr"/>
+          <a:lstStyle/>
+          <a:p>
+            <a:pPr algn="ctr"/>
+            <a:endParaRPr lang="ko-KR" altLang="en-US" dirty="0">
+              <a:solidFill>
+                <a:schemeClr val="tx1"/>
+              </a:solidFill>
+            </a:endParaRPr>
+          </a:p>
+        </p:txBody>
+      </p:sp>
     </p:spTree>
     <p:extLst>
       <p:ext uri="{BB962C8B-B14F-4D97-AF65-F5344CB8AC3E}">
@@ -17072,7 +17154,7 @@
                             </p:stCondLst>
                             <p:childTnLst>
                               <p:par>
-                                <p:cTn id="15" presetID="1" presetClass="entr" presetSubtype="0" fill="hold" nodeType="clickEffect">
+                                <p:cTn id="15" presetID="10" presetClass="entr" presetSubtype="0" fill="hold" grpId="0" nodeType="clickEffect">
                                   <p:stCondLst>
                                     <p:cond delay="0"/>
                                   </p:stCondLst>
@@ -17080,6 +17162,59 @@
                                     <p:set>
                                       <p:cBhvr>
                                         <p:cTn id="16" dur="1" fill="hold">
+                                          <p:stCondLst>
+                                            <p:cond delay="0"/>
+                                          </p:stCondLst>
+                                        </p:cTn>
+                                        <p:tgtEl>
+                                          <p:spTgt spid="3"/>
+                                        </p:tgtEl>
+                                        <p:attrNameLst>
+                                          <p:attrName>style.visibility</p:attrName>
+                                        </p:attrNameLst>
+                                      </p:cBhvr>
+                                      <p:to>
+                                        <p:strVal val="visible"/>
+                                      </p:to>
+                                    </p:set>
+                                    <p:animEffect transition="in" filter="fade">
+                                      <p:cBhvr>
+                                        <p:cTn id="17" dur="500"/>
+                                        <p:tgtEl>
+                                          <p:spTgt spid="3"/>
+                                        </p:tgtEl>
+                                      </p:cBhvr>
+                                    </p:animEffect>
+                                  </p:childTnLst>
+                                </p:cTn>
+                              </p:par>
+                            </p:childTnLst>
+                          </p:cTn>
+                        </p:par>
+                      </p:childTnLst>
+                    </p:cTn>
+                  </p:par>
+                  <p:par>
+                    <p:cTn id="18" fill="hold">
+                      <p:stCondLst>
+                        <p:cond delay="indefinite"/>
+                      </p:stCondLst>
+                      <p:childTnLst>
+                        <p:par>
+                          <p:cTn id="19" fill="hold">
+                            <p:stCondLst>
+                              <p:cond delay="0"/>
+                            </p:stCondLst>
+                            <p:childTnLst>
+                              <p:par>
+                                <p:cTn id="20" presetID="1" presetClass="entr" presetSubtype="0" fill="hold" nodeType="clickEffect">
+                                  <p:stCondLst>
+                                    <p:cond delay="0"/>
+                                  </p:stCondLst>
+                                  <p:childTnLst>
+                                    <p:set>
+                                      <p:cBhvr>
+                                        <p:cTn id="21" dur="1" fill="hold">
                                           <p:stCondLst>
                                             <p:cond delay="0"/>
                                           </p:stCondLst>
@@ -17105,26 +17240,26 @@
                     </p:cTn>
                   </p:par>
                   <p:par>
-                    <p:cTn id="17" fill="hold">
+                    <p:cTn id="22" fill="hold">
                       <p:stCondLst>
                         <p:cond delay="indefinite"/>
                       </p:stCondLst>
                       <p:childTnLst>
                         <p:par>
-                          <p:cTn id="18" fill="hold">
+                          <p:cTn id="23" fill="hold">
                             <p:stCondLst>
                               <p:cond delay="0"/>
                             </p:stCondLst>
                             <p:childTnLst>
                               <p:par>
-                                <p:cTn id="19" presetID="2" presetClass="entr" presetSubtype="4" fill="hold" grpId="0" nodeType="clickEffect">
+                                <p:cTn id="24" presetID="2" presetClass="entr" presetSubtype="4" fill="hold" grpId="0" nodeType="clickEffect">
                                   <p:stCondLst>
                                     <p:cond delay="0"/>
                                   </p:stCondLst>
                                   <p:childTnLst>
                                     <p:set>
                                       <p:cBhvr>
-                                        <p:cTn id="20" dur="1" fill="hold">
+                                        <p:cTn id="25" dur="1" fill="hold">
                                           <p:stCondLst>
                                             <p:cond delay="0"/>
                                           </p:stCondLst>
@@ -17142,7 +17277,7 @@
                                     </p:set>
                                     <p:anim calcmode="lin" valueType="num">
                                       <p:cBhvr additive="base">
-                                        <p:cTn id="21" dur="500" fill="hold"/>
+                                        <p:cTn id="26" dur="500" fill="hold"/>
                                         <p:tgtEl>
                                           <p:spTgt spid="2"/>
                                         </p:tgtEl>
@@ -17165,7 +17300,7 @@
                                     </p:anim>
                                     <p:anim calcmode="lin" valueType="num">
                                       <p:cBhvr additive="base">
-                                        <p:cTn id="22" dur="500" fill="hold"/>
+                                        <p:cTn id="27" dur="500" fill="hold"/>
                                         <p:tgtEl>
                                           <p:spTgt spid="2"/>
                                         </p:tgtEl>
@@ -17219,6 +17354,7 @@
     <p:bldLst>
       <p:bldP spid="21" grpId="0"/>
       <p:bldP spid="2" grpId="0"/>
+      <p:bldP spid="3" grpId="0" animBg="1"/>
     </p:bldLst>
   </p:timing>
 </p:sld>
